--- a/Báo Cáo/Nhom77_Final/Nhom77_PPT.pptx
+++ b/Báo Cáo/Nhom77_Final/Nhom77_PPT.pptx
@@ -20,57 +20,60 @@
     <p:sldId id="262" r:id="rId13"/>
     <p:sldId id="320" r:id="rId14"/>
     <p:sldId id="264" r:id="rId15"/>
-    <p:sldId id="266" r:id="rId16"/>
-    <p:sldId id="300" r:id="rId17"/>
-    <p:sldId id="322" r:id="rId18"/>
-    <p:sldId id="323" r:id="rId19"/>
-    <p:sldId id="324" r:id="rId20"/>
-    <p:sldId id="305" r:id="rId21"/>
-    <p:sldId id="331" r:id="rId22"/>
-    <p:sldId id="306" r:id="rId23"/>
-    <p:sldId id="326" r:id="rId24"/>
-    <p:sldId id="327" r:id="rId25"/>
-    <p:sldId id="329" r:id="rId26"/>
-    <p:sldId id="332" r:id="rId27"/>
-    <p:sldId id="330" r:id="rId28"/>
-    <p:sldId id="307" r:id="rId29"/>
-    <p:sldId id="308" r:id="rId30"/>
-    <p:sldId id="321" r:id="rId31"/>
-    <p:sldId id="310" r:id="rId32"/>
-    <p:sldId id="311" r:id="rId33"/>
-    <p:sldId id="312" r:id="rId34"/>
-    <p:sldId id="313" r:id="rId35"/>
-    <p:sldId id="269" r:id="rId36"/>
+    <p:sldId id="346" r:id="rId16"/>
+    <p:sldId id="347" r:id="rId17"/>
+    <p:sldId id="266" r:id="rId18"/>
+    <p:sldId id="300" r:id="rId19"/>
+    <p:sldId id="322" r:id="rId20"/>
+    <p:sldId id="323" r:id="rId21"/>
+    <p:sldId id="324" r:id="rId22"/>
+    <p:sldId id="305" r:id="rId23"/>
+    <p:sldId id="331" r:id="rId24"/>
+    <p:sldId id="306" r:id="rId25"/>
+    <p:sldId id="326" r:id="rId26"/>
+    <p:sldId id="327" r:id="rId27"/>
+    <p:sldId id="329" r:id="rId28"/>
+    <p:sldId id="332" r:id="rId29"/>
+    <p:sldId id="330" r:id="rId30"/>
+    <p:sldId id="307" r:id="rId31"/>
+    <p:sldId id="349" r:id="rId32"/>
+    <p:sldId id="308" r:id="rId33"/>
+    <p:sldId id="321" r:id="rId34"/>
+    <p:sldId id="310" r:id="rId35"/>
+    <p:sldId id="311" r:id="rId36"/>
+    <p:sldId id="312" r:id="rId37"/>
+    <p:sldId id="313" r:id="rId38"/>
+    <p:sldId id="269" r:id="rId39"/>
   </p:sldIdLst>
   <p:sldSz cx="9144000" cy="5143500" type="screen16x9"/>
   <p:notesSz cx="6858000" cy="9144000"/>
   <p:embeddedFontLst>
     <p:embeddedFont>
       <p:font typeface="Barlow Semi Condensed SemiBold" panose="00000706000000000000"/>
-      <p:bold r:id="rId40"/>
+      <p:bold r:id="rId43"/>
     </p:embeddedFont>
     <p:embeddedFont>
       <p:font typeface="DM Sans"/>
-      <p:regular r:id="rId41"/>
+      <p:regular r:id="rId44"/>
     </p:embeddedFont>
     <p:embeddedFont>
       <p:font typeface="Barlow Semi Condensed Medium" panose="00000606000000000000"/>
-      <p:regular r:id="rId42"/>
-      <p:bold r:id="rId43"/>
-      <p:italic r:id="rId44"/>
-      <p:boldItalic r:id="rId45"/>
+      <p:regular r:id="rId45"/>
+      <p:bold r:id="rId46"/>
+      <p:italic r:id="rId47"/>
+      <p:boldItalic r:id="rId48"/>
     </p:embeddedFont>
     <p:embeddedFont>
       <p:font typeface="DM Sans Medium"/>
-      <p:regular r:id="rId46"/>
+      <p:regular r:id="rId49"/>
     </p:embeddedFont>
     <p:embeddedFont>
       <p:font typeface="Raleway ExtraBold"/>
-      <p:bold r:id="rId47"/>
+      <p:bold r:id="rId50"/>
     </p:embeddedFont>
     <p:embeddedFont>
       <p:font typeface="Barlow Semi Condensed SemiBold" panose="00000706000000000000" charset="0"/>
-      <p:bold r:id="rId48"/>
+      <p:bold r:id="rId51"/>
     </p:embeddedFont>
   </p:embeddedFontLst>
   <p:defaultTextStyle>
@@ -1058,6 +1061,109 @@
   <p:cSld>
     <p:spTree>
       <p:nvGrpSpPr>
+        <p:cNvPr id="1" name="Shape 801"/>
+        <p:cNvGrpSpPr/>
+        <p:nvPr/>
+      </p:nvGrpSpPr>
+      <p:grpSpPr>
+        <a:xfrm>
+          <a:off x="0" y="0"/>
+          <a:ext cx="0" cy="0"/>
+          <a:chOff x="0" y="0"/>
+          <a:chExt cx="0" cy="0"/>
+        </a:xfrm>
+      </p:grpSpPr>
+      <p:sp>
+        <p:nvSpPr>
+          <p:cNvPr id="802" name="Google Shape;802;g70cc6ec884_0_10:notes"/>
+          <p:cNvSpPr>
+            <a:spLocks noGrp="1" noRot="1" noChangeAspect="1"/>
+          </p:cNvSpPr>
+          <p:nvPr>
+            <p:ph type="sldImg" idx="2"/>
+          </p:nvPr>
+        </p:nvSpPr>
+        <p:spPr>
+          <a:xfrm>
+            <a:off x="381000" y="685800"/>
+            <a:ext cx="6096000" cy="3429000"/>
+          </a:xfrm>
+          <a:custGeom>
+            <a:avLst/>
+            <a:gdLst/>
+            <a:ahLst/>
+            <a:cxnLst/>
+            <a:rect l="l" t="t" r="r" b="b"/>
+            <a:pathLst>
+              <a:path w="120000" h="120000" extrusionOk="0">
+                <a:moveTo>
+                  <a:pt x="0" y="0"/>
+                </a:moveTo>
+                <a:lnTo>
+                  <a:pt x="120000" y="0"/>
+                </a:lnTo>
+                <a:lnTo>
+                  <a:pt x="120000" y="120000"/>
+                </a:lnTo>
+                <a:lnTo>
+                  <a:pt x="0" y="120000"/>
+                </a:lnTo>
+                <a:close/>
+              </a:path>
+            </a:pathLst>
+          </a:custGeom>
+        </p:spPr>
+      </p:sp>
+      <p:sp>
+        <p:nvSpPr>
+          <p:cNvPr id="803" name="Google Shape;803;g70cc6ec884_0_10:notes"/>
+          <p:cNvSpPr txBox="1">
+            <a:spLocks noGrp="1"/>
+          </p:cNvSpPr>
+          <p:nvPr>
+            <p:ph type="body" idx="1"/>
+          </p:nvPr>
+        </p:nvSpPr>
+        <p:spPr>
+          <a:xfrm>
+            <a:off x="685800" y="4343400"/>
+            <a:ext cx="5486400" cy="4114800"/>
+          </a:xfrm>
+          <a:prstGeom prst="rect">
+            <a:avLst/>
+          </a:prstGeom>
+        </p:spPr>
+        <p:txBody>
+          <a:bodyPr spcFirstLastPara="1" wrap="square" lIns="91425" tIns="91425" rIns="91425" bIns="91425" anchor="t" anchorCtr="0">
+            <a:noAutofit/>
+          </a:bodyPr>
+          <a:lstStyle/>
+          <a:p>
+            <a:pPr marL="0" lvl="0" indent="0" algn="l" rtl="0">
+              <a:spcBef>
+                <a:spcPts val="0"/>
+              </a:spcBef>
+              <a:spcAft>
+                <a:spcPts val="0"/>
+              </a:spcAft>
+              <a:buNone/>
+            </a:pPr>
+          </a:p>
+        </p:txBody>
+      </p:sp>
+    </p:spTree>
+  </p:cSld>
+  <p:clrMapOvr>
+    <a:masterClrMapping/>
+  </p:clrMapOvr>
+</p:notes>
+</file>
+
+<file path=ppt/notesSlides/notesSlide13.xml><?xml version="1.0" encoding="utf-8"?>
+<p:notes xmlns:a="http://schemas.openxmlformats.org/drawingml/2006/main" xmlns:r="http://schemas.openxmlformats.org/officeDocument/2006/relationships" xmlns:p="http://schemas.openxmlformats.org/presentationml/2006/main" showMasterPhAnim="0" showMasterSp="0">
+  <p:cSld>
+    <p:spTree>
+      <p:nvGrpSpPr>
         <p:cNvPr id="1" name="Shape 862"/>
         <p:cNvGrpSpPr/>
         <p:nvPr/>
@@ -1156,7 +1262,7 @@
 </p:notes>
 </file>
 
-<file path=ppt/notesSlides/notesSlide13.xml><?xml version="1.0" encoding="utf-8"?>
+<file path=ppt/notesSlides/notesSlide14.xml><?xml version="1.0" encoding="utf-8"?>
 <p:notes xmlns:a="http://schemas.openxmlformats.org/drawingml/2006/main" xmlns:r="http://schemas.openxmlformats.org/officeDocument/2006/relationships" xmlns:p="http://schemas.openxmlformats.org/presentationml/2006/main">
   <p:cSld>
     <p:spTree>
@@ -1217,7 +1323,7 @@
 </p:notes>
 </file>
 
-<file path=ppt/notesSlides/notesSlide14.xml><?xml version="1.0" encoding="utf-8"?>
+<file path=ppt/notesSlides/notesSlide15.xml><?xml version="1.0" encoding="utf-8"?>
 <p:notes xmlns:a="http://schemas.openxmlformats.org/drawingml/2006/main" xmlns:r="http://schemas.openxmlformats.org/officeDocument/2006/relationships" xmlns:p="http://schemas.openxmlformats.org/presentationml/2006/main" showMasterPhAnim="0" showMasterSp="0">
   <p:cSld>
     <p:spTree>
@@ -30862,6 +30968,263 @@
   <p:cSld>
     <p:spTree>
       <p:nvGrpSpPr>
+        <p:cNvPr id="1" name=""/>
+        <p:cNvGrpSpPr/>
+        <p:nvPr/>
+      </p:nvGrpSpPr>
+      <p:grpSpPr/>
+      <p:sp>
+        <p:nvSpPr>
+          <p:cNvPr id="6" name="Rectangles 5"/>
+          <p:cNvSpPr/>
+          <p:nvPr/>
+        </p:nvSpPr>
+        <p:spPr>
+          <a:xfrm>
+            <a:off x="862965" y="740410"/>
+            <a:ext cx="7265670" cy="3662680"/>
+          </a:xfrm>
+          <a:prstGeom prst="rect">
+            <a:avLst/>
+          </a:prstGeom>
+          <a:solidFill>
+            <a:srgbClr val="F8FAEF"/>
+          </a:solidFill>
+        </p:spPr>
+        <p:style>
+          <a:lnRef idx="2">
+            <a:schemeClr val="accent1">
+              <a:shade val="50000"/>
+            </a:schemeClr>
+          </a:lnRef>
+          <a:fillRef idx="1">
+            <a:schemeClr val="accent1"/>
+          </a:fillRef>
+          <a:effectRef idx="0">
+            <a:schemeClr val="accent1"/>
+          </a:effectRef>
+          <a:fontRef idx="minor">
+            <a:schemeClr val="lt1"/>
+          </a:fontRef>
+        </p:style>
+        <p:txBody>
+          <a:bodyPr rtlCol="0" anchor="ctr"/>
+          <a:p>
+            <a:pPr algn="ctr"/>
+            <a:endParaRPr lang="en-US"/>
+          </a:p>
+        </p:txBody>
+      </p:sp>
+      <p:pic>
+        <p:nvPicPr>
+          <p:cNvPr id="100" name="Picture 99"/>
+          <p:cNvPicPr/>
+          <p:nvPr/>
+        </p:nvPicPr>
+        <p:blipFill>
+          <a:blip r:embed="rId1"/>
+          <a:stretch>
+            <a:fillRect/>
+          </a:stretch>
+        </p:blipFill>
+        <p:spPr>
+          <a:xfrm>
+            <a:off x="1744980" y="1634490"/>
+            <a:ext cx="5384800" cy="1104900"/>
+          </a:xfrm>
+          <a:prstGeom prst="rect">
+            <a:avLst/>
+          </a:prstGeom>
+          <a:noFill/>
+          <a:ln w="9525">
+            <a:noFill/>
+          </a:ln>
+        </p:spPr>
+      </p:pic>
+      <p:sp>
+        <p:nvSpPr>
+          <p:cNvPr id="8" name="Text Box 7"/>
+          <p:cNvSpPr txBox="1"/>
+          <p:nvPr/>
+        </p:nvSpPr>
+        <p:spPr>
+          <a:xfrm>
+            <a:off x="2587943" y="4536440"/>
+            <a:ext cx="3220720" cy="306705"/>
+          </a:xfrm>
+          <a:prstGeom prst="rect">
+            <a:avLst/>
+          </a:prstGeom>
+          <a:noFill/>
+        </p:spPr>
+        <p:txBody>
+          <a:bodyPr wrap="none" rtlCol="0" anchor="t">
+            <a:spAutoFit/>
+          </a:bodyPr>
+          <a:p>
+            <a:pPr indent="356870" algn="ctr"/>
+            <a:r>
+              <a:rPr lang="en-US" i="1" dirty="0">
+                <a:solidFill>
+                  <a:srgbClr val="FF0000"/>
+                </a:solidFill>
+                <a:latin typeface="Times New Roman" panose="02020603050405020304" pitchFamily="18" charset="0"/>
+                <a:ea typeface="Times New Roman" panose="02020603050405020304" pitchFamily="18" charset="0"/>
+                <a:sym typeface="+mn-ea"/>
+              </a:rPr>
+              <a:t>Hình 10: Ảnh minh họa JasperReport</a:t>
+            </a:r>
+            <a:endParaRPr lang="en-US"/>
+          </a:p>
+        </p:txBody>
+      </p:sp>
+    </p:spTree>
+  </p:cSld>
+  <p:clrMapOvr>
+    <a:masterClrMapping/>
+  </p:clrMapOvr>
+</p:sld>
+</file>
+
+<file path=ppt/slides/slide13.xml><?xml version="1.0" encoding="utf-8"?>
+<p:sld xmlns:a="http://schemas.openxmlformats.org/drawingml/2006/main" xmlns:r="http://schemas.openxmlformats.org/officeDocument/2006/relationships" xmlns:p="http://schemas.openxmlformats.org/presentationml/2006/main">
+  <p:cSld>
+    <p:spTree>
+      <p:nvGrpSpPr>
+        <p:cNvPr id="1" name="Shape 804"/>
+        <p:cNvGrpSpPr/>
+        <p:nvPr/>
+      </p:nvGrpSpPr>
+      <p:grpSpPr>
+        <a:xfrm>
+          <a:off x="0" y="0"/>
+          <a:ext cx="0" cy="0"/>
+          <a:chOff x="0" y="0"/>
+          <a:chExt cx="0" cy="0"/>
+        </a:xfrm>
+      </p:grpSpPr>
+      <p:sp>
+        <p:nvSpPr>
+          <p:cNvPr id="46" name="Google Shape;729;p40"/>
+          <p:cNvSpPr txBox="1">
+            <a:spLocks noGrp="1"/>
+          </p:cNvSpPr>
+          <p:nvPr>
+            <p:ph type="title" idx="4294967295"/>
+          </p:nvPr>
+        </p:nvSpPr>
+        <p:spPr>
+          <a:xfrm>
+            <a:off x="1846650" y="330725"/>
+            <a:ext cx="5450700" cy="789000"/>
+          </a:xfrm>
+          <a:prstGeom prst="rect">
+            <a:avLst/>
+          </a:prstGeom>
+        </p:spPr>
+        <p:txBody>
+          <a:bodyPr spcFirstLastPara="1" wrap="square" lIns="91425" tIns="91425" rIns="91425" bIns="91425" anchor="t" anchorCtr="0">
+            <a:noAutofit/>
+          </a:bodyPr>
+          <a:lstStyle/>
+          <a:p>
+            <a:pPr marL="0" lvl="0" indent="0" algn="ctr" rtl="0">
+              <a:spcBef>
+                <a:spcPts val="0"/>
+              </a:spcBef>
+              <a:spcAft>
+                <a:spcPts val="0"/>
+              </a:spcAft>
+              <a:buNone/>
+            </a:pPr>
+            <a:endParaRPr dirty="0"/>
+          </a:p>
+        </p:txBody>
+      </p:sp>
+      <p:sp>
+        <p:nvSpPr>
+          <p:cNvPr id="2" name="Rectangle 1"/>
+          <p:cNvSpPr/>
+          <p:nvPr/>
+        </p:nvSpPr>
+        <p:spPr>
+          <a:xfrm>
+            <a:off x="2619528" y="4682431"/>
+            <a:ext cx="2988945" cy="306705"/>
+          </a:xfrm>
+          <a:prstGeom prst="rect">
+            <a:avLst/>
+          </a:prstGeom>
+        </p:spPr>
+        <p:txBody>
+          <a:bodyPr wrap="none">
+            <a:spAutoFit/>
+          </a:bodyPr>
+          <a:lstStyle/>
+          <a:p>
+            <a:pPr indent="356870" algn="ctr"/>
+            <a:r>
+              <a:rPr lang="en-US" i="1" dirty="0">
+                <a:solidFill>
+                  <a:srgbClr val="FF0000"/>
+                </a:solidFill>
+                <a:latin typeface="Times New Roman" panose="02020603050405020304" pitchFamily="18" charset="0"/>
+                <a:ea typeface="Times New Roman" panose="02020603050405020304" pitchFamily="18" charset="0"/>
+              </a:rPr>
+              <a:t>Hình 11: Ảnh minh họa REST API</a:t>
+            </a:r>
+            <a:endParaRPr lang="en-US" sz="1800" i="1" dirty="0">
+              <a:solidFill>
+                <a:srgbClr val="FF0000"/>
+              </a:solidFill>
+              <a:effectLst/>
+              <a:latin typeface="Times New Roman" panose="02020603050405020304" pitchFamily="18" charset="0"/>
+              <a:ea typeface="Times New Roman" panose="02020603050405020304" pitchFamily="18" charset="0"/>
+            </a:endParaRPr>
+          </a:p>
+        </p:txBody>
+      </p:sp>
+      <p:pic>
+        <p:nvPicPr>
+          <p:cNvPr id="64" name="Picture 7" descr="IMG_256"/>
+          <p:cNvPicPr>
+            <a:picLocks noChangeAspect="1"/>
+          </p:cNvPicPr>
+          <p:nvPr/>
+        </p:nvPicPr>
+        <p:blipFill>
+          <a:blip r:embed="rId1"/>
+          <a:stretch>
+            <a:fillRect/>
+          </a:stretch>
+        </p:blipFill>
+        <p:spPr>
+          <a:xfrm>
+            <a:off x="530225" y="242570"/>
+            <a:ext cx="8384540" cy="4273550"/>
+          </a:xfrm>
+          <a:prstGeom prst="rect">
+            <a:avLst/>
+          </a:prstGeom>
+          <a:noFill/>
+          <a:ln w="9525">
+            <a:noFill/>
+          </a:ln>
+        </p:spPr>
+      </p:pic>
+    </p:spTree>
+  </p:cSld>
+  <p:clrMapOvr>
+    <a:masterClrMapping/>
+  </p:clrMapOvr>
+</p:sld>
+</file>
+
+<file path=ppt/slides/slide14.xml><?xml version="1.0" encoding="utf-8"?>
+<p:sld xmlns:a="http://schemas.openxmlformats.org/drawingml/2006/main" xmlns:r="http://schemas.openxmlformats.org/officeDocument/2006/relationships" xmlns:p="http://schemas.openxmlformats.org/presentationml/2006/main">
+  <p:cSld>
+    <p:spTree>
+      <p:nvGrpSpPr>
         <p:cNvPr id="1" name="Shape 865"/>
         <p:cNvGrpSpPr/>
         <p:nvPr/>
@@ -30940,7 +31303,7 @@
 </p:sld>
 </file>
 
-<file path=ppt/slides/slide13.xml><?xml version="1.0" encoding="utf-8"?>
+<file path=ppt/slides/slide15.xml><?xml version="1.0" encoding="utf-8"?>
 <p:sld xmlns:a="http://schemas.openxmlformats.org/drawingml/2006/main" xmlns:r="http://schemas.openxmlformats.org/officeDocument/2006/relationships" xmlns:p="http://schemas.openxmlformats.org/presentationml/2006/main">
   <p:cSld>
     <p:spTree>
@@ -30959,39 +31322,79 @@
       </p:grpSpPr>
       <p:pic>
         <p:nvPicPr>
-          <p:cNvPr id="928989177" name="Picture 2"/>
+          <p:cNvPr id="4" name="Picture 4" descr="Use Case Diagram"/>
           <p:cNvPicPr>
-            <a:picLocks noChangeAspect="1" noChangeArrowheads="1"/>
+            <a:picLocks noChangeAspect="1"/>
           </p:cNvPicPr>
           <p:nvPr/>
         </p:nvPicPr>
         <p:blipFill>
-          <a:blip r:embed="rId1" cstate="print">
-            <a:extLst>
-              <a:ext uri="{28A0092B-C50C-407E-A947-70E740481C1C}">
-                <a14:useLocalDpi xmlns:a14="http://schemas.microsoft.com/office/drawing/2010/main" val="0"/>
-              </a:ext>
-            </a:extLst>
-          </a:blip>
-          <a:srcRect/>
+          <a:blip r:embed="rId1"/>
           <a:stretch>
             <a:fillRect/>
           </a:stretch>
         </p:blipFill>
         <p:spPr>
           <a:xfrm>
-            <a:off x="778510" y="274320"/>
-            <a:ext cx="7724775" cy="4700270"/>
+            <a:off x="120650" y="575310"/>
+            <a:ext cx="8879840" cy="4469130"/>
+          </a:xfrm>
+          <a:prstGeom prst="rect">
+            <a:avLst/>
+          </a:prstGeom>
+        </p:spPr>
+      </p:pic>
+      <p:sp>
+        <p:nvSpPr>
+          <p:cNvPr id="2" name="Text Box 1"/>
+          <p:cNvSpPr txBox="1"/>
+          <p:nvPr/>
+        </p:nvSpPr>
+        <p:spPr>
+          <a:xfrm>
+            <a:off x="581025" y="83185"/>
+            <a:ext cx="1929130" cy="398780"/>
           </a:xfrm>
           <a:prstGeom prst="rect">
             <a:avLst/>
           </a:prstGeom>
           <a:noFill/>
-          <a:ln>
-            <a:noFill/>
-          </a:ln>
         </p:spPr>
-      </p:pic>
+        <p:txBody>
+          <a:bodyPr wrap="none" rtlCol="0">
+            <a:spAutoFit/>
+          </a:bodyPr>
+          <a:p>
+            <a:r>
+              <a:rPr lang="en-US" sz="2000">
+                <a:solidFill>
+                  <a:schemeClr val="tx1"/>
+                </a:solidFill>
+                <a:effectLst>
+                  <a:outerShdw blurRad="38100" dist="19050" dir="2700000" algn="tl" rotWithShape="0">
+                    <a:schemeClr val="dk1">
+                      <a:alpha val="40000"/>
+                    </a:schemeClr>
+                  </a:outerShdw>
+                </a:effectLst>
+              </a:rPr>
+              <a:t>Sơ đồ Usecase</a:t>
+            </a:r>
+            <a:endParaRPr lang="en-US" sz="2000">
+              <a:solidFill>
+                <a:schemeClr val="tx1"/>
+              </a:solidFill>
+              <a:effectLst>
+                <a:outerShdw blurRad="38100" dist="19050" dir="2700000" algn="tl" rotWithShape="0">
+                  <a:schemeClr val="dk1">
+                    <a:alpha val="40000"/>
+                  </a:schemeClr>
+                </a:outerShdw>
+              </a:effectLst>
+            </a:endParaRPr>
+          </a:p>
+        </p:txBody>
+      </p:sp>
     </p:spTree>
   </p:cSld>
   <p:clrMapOvr>
@@ -31000,7 +31403,7 @@
 </p:sld>
 </file>
 
-<file path=ppt/slides/slide14.xml><?xml version="1.0" encoding="utf-8"?>
+<file path=ppt/slides/slide16.xml><?xml version="1.0" encoding="utf-8"?>
 <p:sld xmlns:a="http://schemas.openxmlformats.org/drawingml/2006/main" xmlns:r="http://schemas.openxmlformats.org/officeDocument/2006/relationships" xmlns:p="http://schemas.openxmlformats.org/presentationml/2006/main">
   <p:cSld>
     <p:spTree>
@@ -32667,7 +33070,7 @@
 </p:sld>
 </file>
 
-<file path=ppt/slides/slide15.xml><?xml version="1.0" encoding="utf-8"?>
+<file path=ppt/slides/slide17.xml><?xml version="1.0" encoding="utf-8"?>
 <p:sld xmlns:a="http://schemas.openxmlformats.org/drawingml/2006/main" xmlns:r="http://schemas.openxmlformats.org/officeDocument/2006/relationships" xmlns:p="http://schemas.openxmlformats.org/presentationml/2006/main">
   <p:cSld>
     <p:spTree>
@@ -33861,7 +34264,7 @@
 </p:sld>
 </file>
 
-<file path=ppt/slides/slide16.xml><?xml version="1.0" encoding="utf-8"?>
+<file path=ppt/slides/slide18.xml><?xml version="1.0" encoding="utf-8"?>
 <p:sld xmlns:a="http://schemas.openxmlformats.org/drawingml/2006/main" xmlns:r="http://schemas.openxmlformats.org/officeDocument/2006/relationships" xmlns:p="http://schemas.openxmlformats.org/presentationml/2006/main">
   <p:cSld>
     <p:spTree>
@@ -35788,144 +36191,6 @@
 </p:sld>
 </file>
 
-<file path=ppt/slides/slide17.xml><?xml version="1.0" encoding="utf-8"?>
-<p:sld xmlns:a="http://schemas.openxmlformats.org/drawingml/2006/main" xmlns:r="http://schemas.openxmlformats.org/officeDocument/2006/relationships" xmlns:p="http://schemas.openxmlformats.org/presentationml/2006/main">
-  <p:cSld>
-    <p:spTree>
-      <p:nvGrpSpPr>
-        <p:cNvPr id="1" name=""/>
-        <p:cNvGrpSpPr/>
-        <p:nvPr/>
-      </p:nvGrpSpPr>
-      <p:grpSpPr>
-        <a:xfrm>
-          <a:off x="0" y="0"/>
-          <a:ext cx="0" cy="0"/>
-          <a:chOff x="0" y="0"/>
-          <a:chExt cx="0" cy="0"/>
-        </a:xfrm>
-      </p:grpSpPr>
-      <p:pic>
-        <p:nvPicPr>
-          <p:cNvPr id="5" name="Picture 4" descr="z4307769425972_61b6992fa3bae9b1e821640b8567cfd5"/>
-          <p:cNvPicPr>
-            <a:picLocks noChangeAspect="1"/>
-          </p:cNvPicPr>
-          <p:nvPr/>
-        </p:nvPicPr>
-        <p:blipFill>
-          <a:blip r:embed="rId1"/>
-          <a:stretch>
-            <a:fillRect/>
-          </a:stretch>
-        </p:blipFill>
-        <p:spPr>
-          <a:xfrm>
-            <a:off x="1515110" y="525145"/>
-            <a:ext cx="6113145" cy="4618355"/>
-          </a:xfrm>
-          <a:prstGeom prst="rect">
-            <a:avLst/>
-          </a:prstGeom>
-        </p:spPr>
-      </p:pic>
-      <p:sp>
-        <p:nvSpPr>
-          <p:cNvPr id="6" name="Text Box 5"/>
-          <p:cNvSpPr txBox="1"/>
-          <p:nvPr/>
-        </p:nvSpPr>
-        <p:spPr>
-          <a:xfrm>
-            <a:off x="1515110" y="121285"/>
-            <a:ext cx="1603375" cy="306705"/>
-          </a:xfrm>
-          <a:prstGeom prst="rect">
-            <a:avLst/>
-          </a:prstGeom>
-          <a:noFill/>
-        </p:spPr>
-        <p:txBody>
-          <a:bodyPr wrap="none" rtlCol="0">
-            <a:spAutoFit/>
-          </a:bodyPr>
-          <a:p>
-            <a:r>
-              <a:rPr lang="en-US" b="1"/>
-              <a:t>Sơ đồ hoạt động</a:t>
-            </a:r>
-            <a:endParaRPr lang="en-US" b="1"/>
-          </a:p>
-        </p:txBody>
-      </p:sp>
-    </p:spTree>
-  </p:cSld>
-  <p:clrMapOvr>
-    <a:masterClrMapping/>
-  </p:clrMapOvr>
-</p:sld>
-</file>
-
-<file path=ppt/slides/slide18.xml><?xml version="1.0" encoding="utf-8"?>
-<p:sld xmlns:a="http://schemas.openxmlformats.org/drawingml/2006/main" xmlns:r="http://schemas.openxmlformats.org/officeDocument/2006/relationships" xmlns:p="http://schemas.openxmlformats.org/presentationml/2006/main">
-  <p:cSld>
-    <p:spTree>
-      <p:nvGrpSpPr>
-        <p:cNvPr id="1" name=""/>
-        <p:cNvGrpSpPr/>
-        <p:nvPr/>
-      </p:nvGrpSpPr>
-      <p:grpSpPr/>
-      <p:sp>
-        <p:nvSpPr>
-          <p:cNvPr id="3" name="Title 2"/>
-          <p:cNvSpPr>
-            <a:spLocks noGrp="1"/>
-          </p:cNvSpPr>
-          <p:nvPr>
-            <p:ph type="title"/>
-          </p:nvPr>
-        </p:nvSpPr>
-        <p:spPr/>
-        <p:txBody>
-          <a:bodyPr/>
-          <a:p>
-            <a:endParaRPr lang="en-US"/>
-          </a:p>
-        </p:txBody>
-      </p:sp>
-      <p:pic>
-        <p:nvPicPr>
-          <p:cNvPr id="4" name="Picture 3" descr="dathang"/>
-          <p:cNvPicPr>
-            <a:picLocks noChangeAspect="1"/>
-          </p:cNvPicPr>
-          <p:nvPr/>
-        </p:nvPicPr>
-        <p:blipFill>
-          <a:blip r:embed="rId1"/>
-          <a:stretch>
-            <a:fillRect/>
-          </a:stretch>
-        </p:blipFill>
-        <p:spPr>
-          <a:xfrm>
-            <a:off x="1180465" y="113665"/>
-            <a:ext cx="7409180" cy="4915535"/>
-          </a:xfrm>
-          <a:prstGeom prst="rect">
-            <a:avLst/>
-          </a:prstGeom>
-        </p:spPr>
-      </p:pic>
-    </p:spTree>
-  </p:cSld>
-  <p:clrMapOvr>
-    <a:masterClrMapping/>
-  </p:clrMapOvr>
-</p:sld>
-</file>
-
 <file path=ppt/slides/slide19.xml><?xml version="1.0" encoding="utf-8"?>
 <p:sld xmlns:a="http://schemas.openxmlformats.org/drawingml/2006/main" xmlns:r="http://schemas.openxmlformats.org/officeDocument/2006/relationships" xmlns:p="http://schemas.openxmlformats.org/presentationml/2006/main">
   <p:cSld>
@@ -35943,9 +36208,38 @@
           <a:chExt cx="0" cy="0"/>
         </a:xfrm>
       </p:grpSpPr>
+      <p:sp>
+        <p:nvSpPr>
+          <p:cNvPr id="6" name="Text Box 5"/>
+          <p:cNvSpPr txBox="1"/>
+          <p:nvPr/>
+        </p:nvSpPr>
+        <p:spPr>
+          <a:xfrm>
+            <a:off x="196850" y="0"/>
+            <a:ext cx="1652905" cy="306705"/>
+          </a:xfrm>
+          <a:prstGeom prst="rect">
+            <a:avLst/>
+          </a:prstGeom>
+          <a:noFill/>
+        </p:spPr>
+        <p:txBody>
+          <a:bodyPr wrap="none" rtlCol="0">
+            <a:spAutoFit/>
+          </a:bodyPr>
+          <a:p>
+            <a:r>
+              <a:rPr lang="en-US" b="1"/>
+              <a:t>Sơ đồ hoạt động </a:t>
+            </a:r>
+            <a:endParaRPr lang="en-US" b="1"/>
+          </a:p>
+        </p:txBody>
+      </p:sp>
       <p:pic>
         <p:nvPicPr>
-          <p:cNvPr id="2" name="Picture 1" descr="z4308104242697_420ed17204417bffb4ad19b415767ecd"/>
+          <p:cNvPr id="2" name="Picture 1"/>
           <p:cNvPicPr>
             <a:picLocks noChangeAspect="1"/>
           </p:cNvPicPr>
@@ -35959,8 +36253,8 @@
         </p:blipFill>
         <p:spPr>
           <a:xfrm>
-            <a:off x="0" y="0"/>
-            <a:ext cx="9144000" cy="5143500"/>
+            <a:off x="716280" y="214630"/>
+            <a:ext cx="7711440" cy="4836160"/>
           </a:xfrm>
           <a:prstGeom prst="rect">
             <a:avLst/>
@@ -36017,7 +36311,7 @@
           </a:bodyPr>
           <a:lstStyle/>
           <a:p>
-            <a:pPr marL="0" indent="0">
+            <a:pPr marL="0" indent="0" algn="just">
               <a:buNone/>
             </a:pPr>
             <a:r>
@@ -36033,7 +36327,7 @@
             </a:endParaRPr>
           </a:p>
           <a:p>
-            <a:pPr marL="0" indent="0">
+            <a:pPr marL="0" indent="0" algn="just">
               <a:buNone/>
             </a:pPr>
             <a:r>
@@ -36049,7 +36343,7 @@
             </a:endParaRPr>
           </a:p>
           <a:p>
-            <a:pPr marL="0" indent="0">
+            <a:pPr marL="0" indent="0" algn="just">
               <a:buNone/>
             </a:pPr>
             <a:endParaRPr lang="en-US" sz="1500" dirty="0">
@@ -36162,6 +36456,115 @@
 </file>
 
 <file path=ppt/slides/slide20.xml><?xml version="1.0" encoding="utf-8"?>
+<p:sld xmlns:a="http://schemas.openxmlformats.org/drawingml/2006/main" xmlns:r="http://schemas.openxmlformats.org/officeDocument/2006/relationships" xmlns:p="http://schemas.openxmlformats.org/presentationml/2006/main">
+  <p:cSld>
+    <p:spTree>
+      <p:nvGrpSpPr>
+        <p:cNvPr id="1" name=""/>
+        <p:cNvGrpSpPr/>
+        <p:nvPr/>
+      </p:nvGrpSpPr>
+      <p:grpSpPr/>
+      <p:sp>
+        <p:nvSpPr>
+          <p:cNvPr id="3" name="Title 2"/>
+          <p:cNvSpPr>
+            <a:spLocks noGrp="1"/>
+          </p:cNvSpPr>
+          <p:nvPr>
+            <p:ph type="title"/>
+          </p:nvPr>
+        </p:nvSpPr>
+        <p:spPr/>
+        <p:txBody>
+          <a:bodyPr/>
+          <a:p>
+            <a:endParaRPr lang="en-US"/>
+          </a:p>
+        </p:txBody>
+      </p:sp>
+      <p:pic>
+        <p:nvPicPr>
+          <p:cNvPr id="2" name="Picture 1"/>
+          <p:cNvPicPr>
+            <a:picLocks noChangeAspect="1"/>
+          </p:cNvPicPr>
+          <p:nvPr/>
+        </p:nvPicPr>
+        <p:blipFill>
+          <a:blip r:embed="rId1"/>
+          <a:stretch>
+            <a:fillRect/>
+          </a:stretch>
+        </p:blipFill>
+        <p:spPr>
+          <a:xfrm>
+            <a:off x="107315" y="116840"/>
+            <a:ext cx="9037320" cy="4910455"/>
+          </a:xfrm>
+          <a:prstGeom prst="rect">
+            <a:avLst/>
+          </a:prstGeom>
+        </p:spPr>
+      </p:pic>
+    </p:spTree>
+  </p:cSld>
+  <p:clrMapOvr>
+    <a:masterClrMapping/>
+  </p:clrMapOvr>
+</p:sld>
+</file>
+
+<file path=ppt/slides/slide21.xml><?xml version="1.0" encoding="utf-8"?>
+<p:sld xmlns:a="http://schemas.openxmlformats.org/drawingml/2006/main" xmlns:r="http://schemas.openxmlformats.org/officeDocument/2006/relationships" xmlns:p="http://schemas.openxmlformats.org/presentationml/2006/main">
+  <p:cSld>
+    <p:spTree>
+      <p:nvGrpSpPr>
+        <p:cNvPr id="1" name=""/>
+        <p:cNvGrpSpPr/>
+        <p:nvPr/>
+      </p:nvGrpSpPr>
+      <p:grpSpPr>
+        <a:xfrm>
+          <a:off x="0" y="0"/>
+          <a:ext cx="0" cy="0"/>
+          <a:chOff x="0" y="0"/>
+          <a:chExt cx="0" cy="0"/>
+        </a:xfrm>
+      </p:grpSpPr>
+      <p:pic>
+        <p:nvPicPr>
+          <p:cNvPr id="63" name="Picture 63" descr="Tạo đơn hàng"/>
+          <p:cNvPicPr>
+            <a:picLocks noChangeAspect="1"/>
+          </p:cNvPicPr>
+          <p:nvPr/>
+        </p:nvPicPr>
+        <p:blipFill>
+          <a:blip r:embed="rId1"/>
+          <a:stretch>
+            <a:fillRect/>
+          </a:stretch>
+        </p:blipFill>
+        <p:spPr>
+          <a:xfrm>
+            <a:off x="-1270" y="230505"/>
+            <a:ext cx="9145270" cy="4912995"/>
+          </a:xfrm>
+          <a:prstGeom prst="rect">
+            <a:avLst/>
+          </a:prstGeom>
+        </p:spPr>
+      </p:pic>
+    </p:spTree>
+  </p:cSld>
+  <p:clrMapOvr>
+    <a:masterClrMapping/>
+  </p:clrMapOvr>
+</p:sld>
+</file>
+
+<file path=ppt/slides/slide22.xml><?xml version="1.0" encoding="utf-8"?>
 <p:sld xmlns:a="http://schemas.openxmlformats.org/drawingml/2006/main" xmlns:r="http://schemas.openxmlformats.org/officeDocument/2006/relationships" xmlns:p="http://schemas.openxmlformats.org/presentationml/2006/main">
   <p:cSld>
     <p:spTree>
@@ -37817,7 +38220,7 @@
 </p:sld>
 </file>
 
-<file path=ppt/slides/slide21.xml><?xml version="1.0" encoding="utf-8"?>
+<file path=ppt/slides/slide23.xml><?xml version="1.0" encoding="utf-8"?>
 <p:sld xmlns:a="http://schemas.openxmlformats.org/drawingml/2006/main" xmlns:r="http://schemas.openxmlformats.org/officeDocument/2006/relationships" xmlns:p="http://schemas.openxmlformats.org/presentationml/2006/main">
   <p:cSld>
     <p:spTree>
@@ -39129,7 +39532,7 @@
 </p:sld>
 </file>
 
-<file path=ppt/slides/slide22.xml><?xml version="1.0" encoding="utf-8"?>
+<file path=ppt/slides/slide24.xml><?xml version="1.0" encoding="utf-8"?>
 <p:sld xmlns:a="http://schemas.openxmlformats.org/drawingml/2006/main" xmlns:r="http://schemas.openxmlformats.org/officeDocument/2006/relationships" xmlns:p="http://schemas.openxmlformats.org/presentationml/2006/main">
   <p:cSld>
     <p:spTree>
@@ -39146,30 +39549,6 @@
           <a:chExt cx="0" cy="0"/>
         </a:xfrm>
       </p:grpSpPr>
-      <p:pic>
-        <p:nvPicPr>
-          <p:cNvPr id="2" name="Picture 1" descr="xulý"/>
-          <p:cNvPicPr>
-            <a:picLocks noChangeAspect="1"/>
-          </p:cNvPicPr>
-          <p:nvPr/>
-        </p:nvPicPr>
-        <p:blipFill>
-          <a:blip r:embed="rId1"/>
-          <a:stretch>
-            <a:fillRect/>
-          </a:stretch>
-        </p:blipFill>
-        <p:spPr>
-          <a:xfrm>
-            <a:off x="1264920" y="408305"/>
-            <a:ext cx="6614160" cy="4637405"/>
-          </a:xfrm>
-          <a:prstGeom prst="rect">
-            <a:avLst/>
-          </a:prstGeom>
-        </p:spPr>
-      </p:pic>
       <p:sp>
         <p:nvSpPr>
           <p:cNvPr id="4" name="Text Box 3"/>
@@ -39201,27 +39580,9 @@
           </a:p>
         </p:txBody>
       </p:sp>
-    </p:spTree>
-  </p:cSld>
-  <p:clrMapOvr>
-    <a:masterClrMapping/>
-  </p:clrMapOvr>
-</p:sld>
-</file>
-
-<file path=ppt/slides/slide23.xml><?xml version="1.0" encoding="utf-8"?>
-<p:sld xmlns:a="http://schemas.openxmlformats.org/drawingml/2006/main" xmlns:r="http://schemas.openxmlformats.org/officeDocument/2006/relationships" xmlns:p="http://schemas.openxmlformats.org/presentationml/2006/main">
-  <p:cSld>
-    <p:spTree>
-      <p:nvGrpSpPr>
-        <p:cNvPr id="1" name=""/>
-        <p:cNvGrpSpPr/>
-        <p:nvPr/>
-      </p:nvGrpSpPr>
-      <p:grpSpPr/>
       <p:pic>
         <p:nvPicPr>
-          <p:cNvPr id="4" name="Picture 3" descr="xuly2"/>
+          <p:cNvPr id="3" name="Picture 2"/>
           <p:cNvPicPr>
             <a:picLocks noChangeAspect="1"/>
           </p:cNvPicPr>
@@ -39235,57 +39596,8 @@
         </p:blipFill>
         <p:spPr>
           <a:xfrm>
-            <a:off x="887095" y="75565"/>
-            <a:ext cx="7369175" cy="5067935"/>
-          </a:xfrm>
-          <a:prstGeom prst="rect">
-            <a:avLst/>
-          </a:prstGeom>
-        </p:spPr>
-      </p:pic>
-    </p:spTree>
-  </p:cSld>
-  <p:clrMapOvr>
-    <a:masterClrMapping/>
-  </p:clrMapOvr>
-</p:sld>
-</file>
-
-<file path=ppt/slides/slide24.xml><?xml version="1.0" encoding="utf-8"?>
-<p:sld xmlns:a="http://schemas.openxmlformats.org/drawingml/2006/main" xmlns:r="http://schemas.openxmlformats.org/officeDocument/2006/relationships" xmlns:p="http://schemas.openxmlformats.org/presentationml/2006/main">
-  <p:cSld>
-    <p:spTree>
-      <p:nvGrpSpPr>
-        <p:cNvPr id="1" name=""/>
-        <p:cNvGrpSpPr/>
-        <p:nvPr/>
-      </p:nvGrpSpPr>
-      <p:grpSpPr>
-        <a:xfrm>
-          <a:off x="0" y="0"/>
-          <a:ext cx="0" cy="0"/>
-          <a:chOff x="0" y="0"/>
-          <a:chExt cx="0" cy="0"/>
-        </a:xfrm>
-      </p:grpSpPr>
-      <p:pic>
-        <p:nvPicPr>
-          <p:cNvPr id="5" name="Picture 4" descr="z4308107132731_ccee37e3cf2c4b78af9e686d0eb33919"/>
-          <p:cNvPicPr>
-            <a:picLocks noChangeAspect="1"/>
-          </p:cNvPicPr>
-          <p:nvPr/>
-        </p:nvPicPr>
-        <p:blipFill>
-          <a:blip r:embed="rId1"/>
-          <a:stretch>
-            <a:fillRect/>
-          </a:stretch>
-        </p:blipFill>
-        <p:spPr>
-          <a:xfrm>
-            <a:off x="0" y="826770"/>
-            <a:ext cx="9144000" cy="3656965"/>
+            <a:off x="735330" y="408305"/>
+            <a:ext cx="7673340" cy="4580890"/>
           </a:xfrm>
           <a:prstGeom prst="rect">
             <a:avLst/>
@@ -39309,89 +39621,29 @@
         <p:cNvGrpSpPr/>
         <p:nvPr/>
       </p:nvGrpSpPr>
-      <p:grpSpPr>
-        <a:xfrm>
-          <a:off x="0" y="0"/>
-          <a:ext cx="0" cy="0"/>
-          <a:chOff x="0" y="0"/>
-          <a:chExt cx="0" cy="0"/>
-        </a:xfrm>
-      </p:grpSpPr>
-      <p:sp>
-        <p:nvSpPr>
-          <p:cNvPr id="3" name="TextBox 2"/>
-          <p:cNvSpPr txBox="1"/>
-          <p:nvPr/>
-        </p:nvSpPr>
-        <p:spPr>
-          <a:xfrm>
-            <a:off x="135732" y="300038"/>
-            <a:ext cx="1281120" cy="369332"/>
-          </a:xfrm>
-          <a:prstGeom prst="rect">
-            <a:avLst/>
-          </a:prstGeom>
-          <a:noFill/>
-        </p:spPr>
-        <p:txBody>
-          <a:bodyPr wrap="none" rtlCol="0">
-            <a:spAutoFit/>
-          </a:bodyPr>
-          <a:lstStyle/>
-          <a:p>
-            <a:r>
-              <a:rPr lang="en-US" sz="1800" dirty="0">
-                <a:solidFill>
-                  <a:srgbClr val="F03A73"/>
-                </a:solidFill>
-                <a:latin typeface="Times New Roman" panose="02020603050405020304" pitchFamily="18" charset="0"/>
-                <a:cs typeface="Times New Roman" panose="02020603050405020304" pitchFamily="18" charset="0"/>
-              </a:rPr>
-              <a:t>Sơ đồ Class</a:t>
-            </a:r>
-            <a:endParaRPr lang="en-US" sz="1800" dirty="0">
-              <a:solidFill>
-                <a:srgbClr val="F03A73"/>
-              </a:solidFill>
-              <a:latin typeface="Times New Roman" panose="02020603050405020304" pitchFamily="18" charset="0"/>
-              <a:cs typeface="Times New Roman" panose="02020603050405020304" pitchFamily="18" charset="0"/>
-            </a:endParaRPr>
-          </a:p>
-        </p:txBody>
-      </p:sp>
+      <p:grpSpPr/>
       <p:pic>
         <p:nvPicPr>
-          <p:cNvPr id="176592793" name="Picture 3" descr="Diagram, qr code&#10;&#10;Description automatically generated"/>
+          <p:cNvPr id="2" name="Picture 1"/>
           <p:cNvPicPr>
-            <a:picLocks noChangeAspect="1" noChangeArrowheads="1"/>
+            <a:picLocks noChangeAspect="1"/>
           </p:cNvPicPr>
           <p:nvPr/>
         </p:nvPicPr>
         <p:blipFill>
-          <a:blip r:embed="rId1" cstate="print">
-            <a:extLst>
-              <a:ext uri="{28A0092B-C50C-407E-A947-70E740481C1C}">
-                <a14:useLocalDpi xmlns:a14="http://schemas.microsoft.com/office/drawing/2010/main" val="0"/>
-              </a:ext>
-            </a:extLst>
-          </a:blip>
-          <a:srcRect/>
+          <a:blip r:embed="rId1"/>
           <a:stretch>
             <a:fillRect/>
           </a:stretch>
         </p:blipFill>
         <p:spPr>
           <a:xfrm>
-            <a:off x="450850" y="641985"/>
-            <a:ext cx="8482965" cy="4202430"/>
+            <a:off x="130810" y="63500"/>
+            <a:ext cx="8922385" cy="5080000"/>
           </a:xfrm>
           <a:prstGeom prst="rect">
             <a:avLst/>
           </a:prstGeom>
-          <a:noFill/>
-          <a:ln>
-            <a:noFill/>
-          </a:ln>
         </p:spPr>
       </p:pic>
     </p:spTree>
@@ -39403,6 +39655,200 @@
 </file>
 
 <file path=ppt/slides/slide26.xml><?xml version="1.0" encoding="utf-8"?>
+<p:sld xmlns:a="http://schemas.openxmlformats.org/drawingml/2006/main" xmlns:r="http://schemas.openxmlformats.org/officeDocument/2006/relationships" xmlns:p="http://schemas.openxmlformats.org/presentationml/2006/main">
+  <p:cSld>
+    <p:spTree>
+      <p:nvGrpSpPr>
+        <p:cNvPr id="1" name=""/>
+        <p:cNvGrpSpPr/>
+        <p:nvPr/>
+      </p:nvGrpSpPr>
+      <p:grpSpPr>
+        <a:xfrm>
+          <a:off x="0" y="0"/>
+          <a:ext cx="0" cy="0"/>
+          <a:chOff x="0" y="0"/>
+          <a:chExt cx="0" cy="0"/>
+        </a:xfrm>
+      </p:grpSpPr>
+      <p:pic>
+        <p:nvPicPr>
+          <p:cNvPr id="62" name="Picture 62" descr="Xử lý đơn hàng"/>
+          <p:cNvPicPr>
+            <a:picLocks noChangeAspect="1"/>
+          </p:cNvPicPr>
+          <p:nvPr/>
+        </p:nvPicPr>
+        <p:blipFill>
+          <a:blip r:embed="rId1"/>
+          <a:stretch>
+            <a:fillRect/>
+          </a:stretch>
+        </p:blipFill>
+        <p:spPr>
+          <a:xfrm>
+            <a:off x="0" y="0"/>
+            <a:ext cx="9068435" cy="5143500"/>
+          </a:xfrm>
+          <a:prstGeom prst="rect">
+            <a:avLst/>
+          </a:prstGeom>
+        </p:spPr>
+      </p:pic>
+    </p:spTree>
+  </p:cSld>
+  <p:clrMapOvr>
+    <a:masterClrMapping/>
+  </p:clrMapOvr>
+</p:sld>
+</file>
+
+<file path=ppt/slides/slide27.xml><?xml version="1.0" encoding="utf-8"?>
+<p:sld xmlns:a="http://schemas.openxmlformats.org/drawingml/2006/main" xmlns:r="http://schemas.openxmlformats.org/officeDocument/2006/relationships" xmlns:p="http://schemas.openxmlformats.org/presentationml/2006/main">
+  <p:cSld>
+    <p:spTree>
+      <p:nvGrpSpPr>
+        <p:cNvPr id="1" name=""/>
+        <p:cNvGrpSpPr/>
+        <p:nvPr/>
+      </p:nvGrpSpPr>
+      <p:grpSpPr>
+        <a:xfrm>
+          <a:off x="0" y="0"/>
+          <a:ext cx="0" cy="0"/>
+          <a:chOff x="0" y="0"/>
+          <a:chExt cx="0" cy="0"/>
+        </a:xfrm>
+      </p:grpSpPr>
+      <p:pic>
+        <p:nvPicPr>
+          <p:cNvPr id="46" name="Picture 46" descr="class diagram"/>
+          <p:cNvPicPr>
+            <a:picLocks noChangeAspect="1"/>
+          </p:cNvPicPr>
+          <p:nvPr/>
+        </p:nvPicPr>
+        <p:blipFill>
+          <a:blip r:embed="rId1"/>
+          <a:stretch>
+            <a:fillRect/>
+          </a:stretch>
+        </p:blipFill>
+        <p:spPr>
+          <a:xfrm>
+            <a:off x="-635" y="660400"/>
+            <a:ext cx="9144000" cy="4483735"/>
+          </a:xfrm>
+          <a:prstGeom prst="rect">
+            <a:avLst/>
+          </a:prstGeom>
+        </p:spPr>
+      </p:pic>
+      <p:sp>
+        <p:nvSpPr>
+          <p:cNvPr id="4" name="Title 3"/>
+          <p:cNvSpPr>
+            <a:spLocks noGrp="1"/>
+          </p:cNvSpPr>
+          <p:nvPr>
+            <p:ph type="title"/>
+          </p:nvPr>
+        </p:nvSpPr>
+        <p:spPr>
+          <a:xfrm>
+            <a:off x="1846580" y="0"/>
+            <a:ext cx="5450840" cy="660400"/>
+          </a:xfrm>
+        </p:spPr>
+        <p:txBody>
+          <a:bodyPr/>
+          <a:p>
+            <a:r>
+              <a:rPr lang="en-US"/>
+              <a:t>Sơ đồ Class</a:t>
+            </a:r>
+            <a:endParaRPr lang="en-US"/>
+          </a:p>
+        </p:txBody>
+      </p:sp>
+    </p:spTree>
+  </p:cSld>
+  <p:clrMapOvr>
+    <a:masterClrMapping/>
+  </p:clrMapOvr>
+</p:sld>
+</file>
+
+<file path=ppt/slides/slide28.xml><?xml version="1.0" encoding="utf-8"?>
+<p:sld xmlns:a="http://schemas.openxmlformats.org/drawingml/2006/main" xmlns:r="http://schemas.openxmlformats.org/officeDocument/2006/relationships" xmlns:p="http://schemas.openxmlformats.org/presentationml/2006/main">
+  <p:cSld>
+    <p:spTree>
+      <p:nvGrpSpPr>
+        <p:cNvPr id="1" name=""/>
+        <p:cNvGrpSpPr/>
+        <p:nvPr/>
+      </p:nvGrpSpPr>
+      <p:grpSpPr/>
+      <p:sp>
+        <p:nvSpPr>
+          <p:cNvPr id="3" name="Title 2"/>
+          <p:cNvSpPr>
+            <a:spLocks noGrp="1"/>
+          </p:cNvSpPr>
+          <p:nvPr>
+            <p:ph type="title"/>
+          </p:nvPr>
+        </p:nvSpPr>
+        <p:spPr>
+          <a:xfrm>
+            <a:off x="1846650" y="97045"/>
+            <a:ext cx="5450700" cy="789000"/>
+          </a:xfrm>
+        </p:spPr>
+        <p:txBody>
+          <a:bodyPr/>
+          <a:p>
+            <a:r>
+              <a:rPr lang="en-US"/>
+              <a:t>Sơ đồ SQL</a:t>
+            </a:r>
+            <a:endParaRPr lang="en-US"/>
+          </a:p>
+        </p:txBody>
+      </p:sp>
+      <p:pic>
+        <p:nvPicPr>
+          <p:cNvPr id="50" name="Picture 50" descr="sql diagram"/>
+          <p:cNvPicPr>
+            <a:picLocks noChangeAspect="1"/>
+          </p:cNvPicPr>
+          <p:nvPr/>
+        </p:nvPicPr>
+        <p:blipFill>
+          <a:blip r:embed="rId1"/>
+          <a:stretch>
+            <a:fillRect/>
+          </a:stretch>
+        </p:blipFill>
+        <p:spPr>
+          <a:xfrm>
+            <a:off x="218440" y="758190"/>
+            <a:ext cx="8817610" cy="4251325"/>
+          </a:xfrm>
+          <a:prstGeom prst="rect">
+            <a:avLst/>
+          </a:prstGeom>
+        </p:spPr>
+      </p:pic>
+    </p:spTree>
+  </p:cSld>
+  <p:clrMapOvr>
+    <a:masterClrMapping/>
+  </p:clrMapOvr>
+</p:sld>
+</file>
+
+<file path=ppt/slides/slide29.xml><?xml version="1.0" encoding="utf-8"?>
 <p:sld xmlns:a="http://schemas.openxmlformats.org/drawingml/2006/main" xmlns:r="http://schemas.openxmlformats.org/officeDocument/2006/relationships" xmlns:p="http://schemas.openxmlformats.org/presentationml/2006/main">
   <p:cSld>
     <p:spTree>
@@ -39463,7 +39909,7 @@
       </p:sp>
       <p:pic>
         <p:nvPicPr>
-          <p:cNvPr id="4" name="Picture 3"/>
+          <p:cNvPr id="2" name="Picture 2"/>
           <p:cNvPicPr>
             <a:picLocks noChangeAspect="1"/>
           </p:cNvPicPr>
@@ -39477,12 +39923,16 @@
         </p:blipFill>
         <p:spPr>
           <a:xfrm>
-            <a:off x="319405" y="490220"/>
-            <a:ext cx="8291195" cy="4455795"/>
+            <a:off x="0" y="503555"/>
+            <a:ext cx="9144000" cy="4639310"/>
           </a:xfrm>
           <a:prstGeom prst="rect">
             <a:avLst/>
           </a:prstGeom>
+          <a:noFill/>
+          <a:ln>
+            <a:noFill/>
+          </a:ln>
         </p:spPr>
       </p:pic>
     </p:spTree>
@@ -39493,7 +39943,215 @@
 </p:sld>
 </file>
 
-<file path=ppt/slides/slide27.xml><?xml version="1.0" encoding="utf-8"?>
+<file path=ppt/slides/slide3.xml><?xml version="1.0" encoding="utf-8"?>
+<p:sld xmlns:a="http://schemas.openxmlformats.org/drawingml/2006/main" xmlns:r="http://schemas.openxmlformats.org/officeDocument/2006/relationships" xmlns:p="http://schemas.openxmlformats.org/presentationml/2006/main">
+  <p:cSld>
+    <p:bg>
+      <p:bgPr>
+        <a:solidFill>
+          <a:schemeClr val="lt1"/>
+        </a:solidFill>
+        <a:effectLst/>
+      </p:bgPr>
+    </p:bg>
+    <p:spTree>
+      <p:nvGrpSpPr>
+        <p:cNvPr id="1" name="Shape 354"/>
+        <p:cNvGrpSpPr/>
+        <p:nvPr/>
+      </p:nvGrpSpPr>
+      <p:grpSpPr>
+        <a:xfrm>
+          <a:off x="0" y="0"/>
+          <a:ext cx="0" cy="0"/>
+          <a:chOff x="0" y="0"/>
+          <a:chExt cx="0" cy="0"/>
+        </a:xfrm>
+      </p:grpSpPr>
+      <p:sp>
+        <p:nvSpPr>
+          <p:cNvPr id="379" name="Google Shape;379;p35"/>
+          <p:cNvSpPr txBox="1">
+            <a:spLocks noGrp="1"/>
+          </p:cNvSpPr>
+          <p:nvPr>
+            <p:ph type="title" idx="15"/>
+          </p:nvPr>
+        </p:nvSpPr>
+        <p:spPr>
+          <a:xfrm>
+            <a:off x="1846650" y="330725"/>
+            <a:ext cx="5450700" cy="789000"/>
+          </a:xfrm>
+          <a:prstGeom prst="rect">
+            <a:avLst/>
+          </a:prstGeom>
+        </p:spPr>
+        <p:txBody>
+          <a:bodyPr spcFirstLastPara="1" wrap="square" lIns="91425" tIns="91425" rIns="91425" bIns="91425" anchor="t" anchorCtr="0">
+            <a:noAutofit/>
+          </a:bodyPr>
+          <a:lstStyle/>
+          <a:p>
+            <a:pPr marL="0" lvl="0" algn="ctr" rtl="0">
+              <a:spcBef>
+                <a:spcPts val="0"/>
+              </a:spcBef>
+              <a:spcAft>
+                <a:spcPts val="0"/>
+              </a:spcAft>
+              <a:buNone/>
+            </a:pPr>
+            <a:r>
+              <a:rPr lang="en-GB" sz="3600">
+                <a:solidFill>
+                  <a:srgbClr val="F03A73"/>
+                </a:solidFill>
+                <a:latin typeface="Barlow Semi Condensed SemiBold" panose="00000706000000000000" charset="0"/>
+                <a:ea typeface="Barlow Semi Condensed SemiBold" panose="00000706000000000000"/>
+                <a:cs typeface="Times New Roman" panose="02020603050405020304" pitchFamily="18" charset="0"/>
+              </a:rPr>
+              <a:t>CHƯƠNG 2: CƠ SỞ LÝ THUYẾT</a:t>
+            </a:r>
+            <a:endParaRPr lang="en-GB" sz="3600">
+              <a:solidFill>
+                <a:srgbClr val="F03A73"/>
+              </a:solidFill>
+              <a:latin typeface="Barlow Semi Condensed SemiBold" panose="00000706000000000000" charset="0"/>
+              <a:ea typeface="Barlow Semi Condensed SemiBold" panose="00000706000000000000"/>
+              <a:cs typeface="Times New Roman" panose="02020603050405020304" pitchFamily="18" charset="0"/>
+            </a:endParaRPr>
+          </a:p>
+        </p:txBody>
+      </p:sp>
+      <p:sp>
+        <p:nvSpPr>
+          <p:cNvPr id="2" name="Rectangle 1"/>
+          <p:cNvSpPr/>
+          <p:nvPr/>
+        </p:nvSpPr>
+        <p:spPr>
+          <a:xfrm>
+            <a:off x="2844856" y="4583961"/>
+            <a:ext cx="3028950" cy="306705"/>
+          </a:xfrm>
+          <a:prstGeom prst="rect">
+            <a:avLst/>
+          </a:prstGeom>
+        </p:spPr>
+        <p:txBody>
+          <a:bodyPr wrap="none">
+            <a:spAutoFit/>
+          </a:bodyPr>
+          <a:lstStyle/>
+          <a:p>
+            <a:pPr indent="356870" algn="ctr"/>
+            <a:r>
+              <a:rPr lang="en-US" i="1" dirty="0">
+                <a:solidFill>
+                  <a:srgbClr val="FF0000"/>
+                </a:solidFill>
+                <a:latin typeface="Times New Roman" panose="02020603050405020304" pitchFamily="18" charset="0"/>
+                <a:ea typeface="Times New Roman" panose="02020603050405020304" pitchFamily="18" charset="0"/>
+              </a:rPr>
+              <a:t>Hình 1: Ảnh minh họa Spring Boot</a:t>
+            </a:r>
+            <a:endParaRPr lang="en-US" i="1" dirty="0">
+              <a:solidFill>
+                <a:srgbClr val="FF0000"/>
+              </a:solidFill>
+              <a:latin typeface="Times New Roman" panose="02020603050405020304" pitchFamily="18" charset="0"/>
+              <a:ea typeface="Times New Roman" panose="02020603050405020304" pitchFamily="18" charset="0"/>
+            </a:endParaRPr>
+          </a:p>
+        </p:txBody>
+      </p:sp>
+      <p:sp>
+        <p:nvSpPr>
+          <p:cNvPr id="4" name="Rectangles 3"/>
+          <p:cNvSpPr/>
+          <p:nvPr/>
+        </p:nvSpPr>
+        <p:spPr>
+          <a:xfrm>
+            <a:off x="1116965" y="2094865"/>
+            <a:ext cx="7265670" cy="2121535"/>
+          </a:xfrm>
+          <a:prstGeom prst="rect">
+            <a:avLst/>
+          </a:prstGeom>
+          <a:solidFill>
+            <a:srgbClr val="F8FAEF"/>
+          </a:solidFill>
+        </p:spPr>
+        <p:style>
+          <a:lnRef idx="2">
+            <a:schemeClr val="accent1">
+              <a:shade val="50000"/>
+            </a:schemeClr>
+          </a:lnRef>
+          <a:fillRef idx="1">
+            <a:schemeClr val="accent1"/>
+          </a:fillRef>
+          <a:effectRef idx="0">
+            <a:schemeClr val="accent1"/>
+          </a:effectRef>
+          <a:fontRef idx="minor">
+            <a:schemeClr val="lt1"/>
+          </a:fontRef>
+        </p:style>
+        <p:txBody>
+          <a:bodyPr rtlCol="0" anchor="ctr"/>
+          <a:p>
+            <a:pPr algn="ctr"/>
+            <a:endParaRPr lang="en-US"/>
+          </a:p>
+        </p:txBody>
+      </p:sp>
+      <p:pic>
+        <p:nvPicPr>
+          <p:cNvPr id="3" name="Picture 2"/>
+          <p:cNvPicPr>
+            <a:picLocks noChangeAspect="1" noChangeArrowheads="1"/>
+          </p:cNvPicPr>
+          <p:nvPr/>
+        </p:nvPicPr>
+        <p:blipFill>
+          <a:blip r:embed="rId1" cstate="print">
+            <a:extLst>
+              <a:ext uri="{28A0092B-C50C-407E-A947-70E740481C1C}">
+                <a14:useLocalDpi xmlns:a14="http://schemas.microsoft.com/office/drawing/2010/main" val="0"/>
+              </a:ext>
+            </a:extLst>
+          </a:blip>
+          <a:srcRect/>
+          <a:stretch>
+            <a:fillRect/>
+          </a:stretch>
+        </p:blipFill>
+        <p:spPr>
+          <a:xfrm>
+            <a:off x="1657985" y="2553970"/>
+            <a:ext cx="6724650" cy="1202690"/>
+          </a:xfrm>
+          <a:prstGeom prst="rect">
+            <a:avLst/>
+          </a:prstGeom>
+          <a:noFill/>
+          <a:ln>
+            <a:noFill/>
+          </a:ln>
+        </p:spPr>
+      </p:pic>
+    </p:spTree>
+  </p:cSld>
+  <p:clrMapOvr>
+    <a:masterClrMapping/>
+  </p:clrMapOvr>
+</p:sld>
+</file>
+
+<file path=ppt/slides/slide30.xml><?xml version="1.0" encoding="utf-8"?>
 <p:sld xmlns:a="http://schemas.openxmlformats.org/drawingml/2006/main" xmlns:r="http://schemas.openxmlformats.org/officeDocument/2006/relationships" xmlns:p="http://schemas.openxmlformats.org/presentationml/2006/main">
   <p:cSld>
     <p:spTree>
@@ -39554,7 +40212,7 @@
       </p:sp>
       <p:pic>
         <p:nvPicPr>
-          <p:cNvPr id="5" name="Picture 4"/>
+          <p:cNvPr id="48" name="Picture 1"/>
           <p:cNvPicPr>
             <a:picLocks noChangeAspect="1"/>
           </p:cNvPicPr>
@@ -39568,8 +40226,8 @@
         </p:blipFill>
         <p:spPr>
           <a:xfrm>
-            <a:off x="613410" y="647065"/>
-            <a:ext cx="7916545" cy="4170045"/>
+            <a:off x="-635" y="609600"/>
+            <a:ext cx="9144635" cy="4533900"/>
           </a:xfrm>
           <a:prstGeom prst="rect">
             <a:avLst/>
@@ -39588,7 +40246,7 @@
 </p:sld>
 </file>
 
-<file path=ppt/slides/slide28.xml><?xml version="1.0" encoding="utf-8"?>
+<file path=ppt/slides/slide31.xml><?xml version="1.0" encoding="utf-8"?>
 <p:sld xmlns:a="http://schemas.openxmlformats.org/drawingml/2006/main" xmlns:r="http://schemas.openxmlformats.org/officeDocument/2006/relationships" xmlns:p="http://schemas.openxmlformats.org/presentationml/2006/main">
   <p:cSld>
     <p:spTree>
@@ -39694,7 +40352,7 @@
 </p:sld>
 </file>
 
-<file path=ppt/slides/slide29.xml><?xml version="1.0" encoding="utf-8"?>
+<file path=ppt/slides/slide32.xml><?xml version="1.0" encoding="utf-8"?>
 <p:sld xmlns:a="http://schemas.openxmlformats.org/drawingml/2006/main" xmlns:r="http://schemas.openxmlformats.org/officeDocument/2006/relationships" xmlns:p="http://schemas.openxmlformats.org/presentationml/2006/main">
   <p:cSld>
     <p:spTree>
@@ -39728,7 +40386,7 @@
           <a:p>
             <a:r>
               <a:rPr lang="en-US" dirty="0"/>
-              <a:t>KẾT LUẬN</a:t>
+              <a:t>Chương 5: KẾT LUẬN</a:t>
             </a:r>
             <a:endParaRPr lang="en-US" dirty="0"/>
           </a:p>
@@ -39960,213 +40618,7 @@
 </p:sld>
 </file>
 
-<file path=ppt/slides/slide3.xml><?xml version="1.0" encoding="utf-8"?>
-<p:sld xmlns:a="http://schemas.openxmlformats.org/drawingml/2006/main" xmlns:r="http://schemas.openxmlformats.org/officeDocument/2006/relationships" xmlns:p="http://schemas.openxmlformats.org/presentationml/2006/main">
-  <p:cSld>
-    <p:bg>
-      <p:bgPr>
-        <a:solidFill>
-          <a:schemeClr val="lt1"/>
-        </a:solidFill>
-        <a:effectLst/>
-      </p:bgPr>
-    </p:bg>
-    <p:spTree>
-      <p:nvGrpSpPr>
-        <p:cNvPr id="1" name="Shape 354"/>
-        <p:cNvGrpSpPr/>
-        <p:nvPr/>
-      </p:nvGrpSpPr>
-      <p:grpSpPr>
-        <a:xfrm>
-          <a:off x="0" y="0"/>
-          <a:ext cx="0" cy="0"/>
-          <a:chOff x="0" y="0"/>
-          <a:chExt cx="0" cy="0"/>
-        </a:xfrm>
-      </p:grpSpPr>
-      <p:sp>
-        <p:nvSpPr>
-          <p:cNvPr id="379" name="Google Shape;379;p35"/>
-          <p:cNvSpPr txBox="1">
-            <a:spLocks noGrp="1"/>
-          </p:cNvSpPr>
-          <p:nvPr>
-            <p:ph type="title" idx="15"/>
-          </p:nvPr>
-        </p:nvSpPr>
-        <p:spPr>
-          <a:xfrm>
-            <a:off x="1846650" y="330725"/>
-            <a:ext cx="5450700" cy="789000"/>
-          </a:xfrm>
-          <a:prstGeom prst="rect">
-            <a:avLst/>
-          </a:prstGeom>
-        </p:spPr>
-        <p:txBody>
-          <a:bodyPr spcFirstLastPara="1" wrap="square" lIns="91425" tIns="91425" rIns="91425" bIns="91425" anchor="t" anchorCtr="0">
-            <a:noAutofit/>
-          </a:bodyPr>
-          <a:lstStyle/>
-          <a:p>
-            <a:pPr marL="0" lvl="0" indent="0" algn="ctr" rtl="0">
-              <a:spcBef>
-                <a:spcPts val="0"/>
-              </a:spcBef>
-              <a:spcAft>
-                <a:spcPts val="0"/>
-              </a:spcAft>
-              <a:buNone/>
-            </a:pPr>
-            <a:r>
-              <a:rPr lang="en-US"/>
-              <a:t>CH</a:t>
-            </a:r>
-            <a:r>
-              <a:rPr lang="vi-VN"/>
-              <a:t>ƯƠN</a:t>
-            </a:r>
-            <a:r>
-              <a:rPr lang="en-US"/>
-              <a:t>G 2: CƠ </a:t>
-            </a:r>
-            <a:r>
-              <a:rPr lang="en-US" dirty="0"/>
-              <a:t>SỞ LÝ THUYẾT</a:t>
-            </a:r>
-            <a:endParaRPr dirty="0"/>
-          </a:p>
-        </p:txBody>
-      </p:sp>
-      <p:sp>
-        <p:nvSpPr>
-          <p:cNvPr id="2" name="Rectangle 1"/>
-          <p:cNvSpPr/>
-          <p:nvPr/>
-        </p:nvSpPr>
-        <p:spPr>
-          <a:xfrm>
-            <a:off x="2844856" y="4583961"/>
-            <a:ext cx="3028950" cy="306705"/>
-          </a:xfrm>
-          <a:prstGeom prst="rect">
-            <a:avLst/>
-          </a:prstGeom>
-        </p:spPr>
-        <p:txBody>
-          <a:bodyPr wrap="none">
-            <a:spAutoFit/>
-          </a:bodyPr>
-          <a:lstStyle/>
-          <a:p>
-            <a:pPr indent="356870" algn="ctr"/>
-            <a:r>
-              <a:rPr lang="en-US" i="1" dirty="0">
-                <a:solidFill>
-                  <a:srgbClr val="FF0000"/>
-                </a:solidFill>
-                <a:latin typeface="Times New Roman" panose="02020603050405020304" pitchFamily="18" charset="0"/>
-                <a:ea typeface="Times New Roman" panose="02020603050405020304" pitchFamily="18" charset="0"/>
-              </a:rPr>
-              <a:t>Hình 1: Ảnh minh họa Spring Boot</a:t>
-            </a:r>
-            <a:endParaRPr lang="en-US" i="1" dirty="0">
-              <a:solidFill>
-                <a:srgbClr val="FF0000"/>
-              </a:solidFill>
-              <a:latin typeface="Times New Roman" panose="02020603050405020304" pitchFamily="18" charset="0"/>
-              <a:ea typeface="Times New Roman" panose="02020603050405020304" pitchFamily="18" charset="0"/>
-            </a:endParaRPr>
-          </a:p>
-        </p:txBody>
-      </p:sp>
-      <p:sp>
-        <p:nvSpPr>
-          <p:cNvPr id="4" name="Rectangles 3"/>
-          <p:cNvSpPr/>
-          <p:nvPr/>
-        </p:nvSpPr>
-        <p:spPr>
-          <a:xfrm>
-            <a:off x="1116965" y="2094865"/>
-            <a:ext cx="7265670" cy="2121535"/>
-          </a:xfrm>
-          <a:prstGeom prst="rect">
-            <a:avLst/>
-          </a:prstGeom>
-          <a:solidFill>
-            <a:srgbClr val="F8FAEF"/>
-          </a:solidFill>
-        </p:spPr>
-        <p:style>
-          <a:lnRef idx="2">
-            <a:schemeClr val="accent1">
-              <a:shade val="50000"/>
-            </a:schemeClr>
-          </a:lnRef>
-          <a:fillRef idx="1">
-            <a:schemeClr val="accent1"/>
-          </a:fillRef>
-          <a:effectRef idx="0">
-            <a:schemeClr val="accent1"/>
-          </a:effectRef>
-          <a:fontRef idx="minor">
-            <a:schemeClr val="lt1"/>
-          </a:fontRef>
-        </p:style>
-        <p:txBody>
-          <a:bodyPr rtlCol="0" anchor="ctr"/>
-          <a:p>
-            <a:pPr algn="ctr"/>
-            <a:endParaRPr lang="en-US"/>
-          </a:p>
-        </p:txBody>
-      </p:sp>
-      <p:pic>
-        <p:nvPicPr>
-          <p:cNvPr id="3" name="Picture 2"/>
-          <p:cNvPicPr>
-            <a:picLocks noChangeAspect="1" noChangeArrowheads="1"/>
-          </p:cNvPicPr>
-          <p:nvPr/>
-        </p:nvPicPr>
-        <p:blipFill>
-          <a:blip r:embed="rId1" cstate="print">
-            <a:extLst>
-              <a:ext uri="{28A0092B-C50C-407E-A947-70E740481C1C}">
-                <a14:useLocalDpi xmlns:a14="http://schemas.microsoft.com/office/drawing/2010/main" val="0"/>
-              </a:ext>
-            </a:extLst>
-          </a:blip>
-          <a:srcRect/>
-          <a:stretch>
-            <a:fillRect/>
-          </a:stretch>
-        </p:blipFill>
-        <p:spPr>
-          <a:xfrm>
-            <a:off x="1657985" y="2553970"/>
-            <a:ext cx="6724650" cy="1202690"/>
-          </a:xfrm>
-          <a:prstGeom prst="rect">
-            <a:avLst/>
-          </a:prstGeom>
-          <a:noFill/>
-          <a:ln>
-            <a:noFill/>
-          </a:ln>
-        </p:spPr>
-      </p:pic>
-    </p:spTree>
-  </p:cSld>
-  <p:clrMapOvr>
-    <a:masterClrMapping/>
-  </p:clrMapOvr>
-</p:sld>
-</file>
-
-<file path=ppt/slides/slide30.xml><?xml version="1.0" encoding="utf-8"?>
+<file path=ppt/slides/slide33.xml><?xml version="1.0" encoding="utf-8"?>
 <p:sld xmlns:a="http://schemas.openxmlformats.org/drawingml/2006/main" xmlns:r="http://schemas.openxmlformats.org/officeDocument/2006/relationships" xmlns:p="http://schemas.openxmlformats.org/presentationml/2006/main">
   <p:cSld>
     <p:spTree>
@@ -40445,7 +40897,7 @@
 </p:sld>
 </file>
 
-<file path=ppt/slides/slide31.xml><?xml version="1.0" encoding="utf-8"?>
+<file path=ppt/slides/slide34.xml><?xml version="1.0" encoding="utf-8"?>
 <p:sld xmlns:a="http://schemas.openxmlformats.org/drawingml/2006/main" xmlns:r="http://schemas.openxmlformats.org/officeDocument/2006/relationships" xmlns:p="http://schemas.openxmlformats.org/presentationml/2006/main">
   <p:cSld>
     <p:spTree>
@@ -40669,7 +41121,7 @@
 </p:sld>
 </file>
 
-<file path=ppt/slides/slide32.xml><?xml version="1.0" encoding="utf-8"?>
+<file path=ppt/slides/slide35.xml><?xml version="1.0" encoding="utf-8"?>
 <p:sld xmlns:a="http://schemas.openxmlformats.org/drawingml/2006/main" xmlns:r="http://schemas.openxmlformats.org/officeDocument/2006/relationships" xmlns:p="http://schemas.openxmlformats.org/presentationml/2006/main">
   <p:cSld>
     <p:bg>

--- a/Báo Cáo/Nhom77_Final/Nhom77_PPT.pptx
+++ b/Báo Cáo/Nhom77_Final/Nhom77_PPT.pptx
@@ -40212,7 +40212,7 @@
       </p:sp>
       <p:pic>
         <p:nvPicPr>
-          <p:cNvPr id="48" name="Picture 1"/>
+          <p:cNvPr id="2" name="Picture 1"/>
           <p:cNvPicPr>
             <a:picLocks noChangeAspect="1"/>
           </p:cNvPicPr>
@@ -40226,16 +40226,12 @@
         </p:blipFill>
         <p:spPr>
           <a:xfrm>
-            <a:off x="-635" y="609600"/>
-            <a:ext cx="9144635" cy="4533900"/>
+            <a:off x="0" y="812800"/>
+            <a:ext cx="9088755" cy="4216400"/>
           </a:xfrm>
           <a:prstGeom prst="rect">
             <a:avLst/>
           </a:prstGeom>
-          <a:noFill/>
-          <a:ln>
-            <a:noFill/>
-          </a:ln>
         </p:spPr>
       </p:pic>
     </p:spTree>
